--- a/slides/01-WhatsNew.pptx
+++ b/slides/01-WhatsNew.pptx
@@ -18,6 +18,10 @@
     <p:sldId id="267" r:id="rId12"/>
     <p:sldId id="268" r:id="rId13"/>
     <p:sldId id="269" r:id="rId14"/>
+    <p:sldId id="270" r:id="rId15"/>
+    <p:sldId id="271" r:id="rId16"/>
+    <p:sldId id="272" r:id="rId17"/>
+    <p:sldId id="273" r:id="rId18"/>
   </p:sldIdLst>
   <p:sldSz cx="9144000" cy="6858000" type="screen4x3"/>
   <p:notesSz cx="6858000" cy="9144000"/>
@@ -3592,13 +3596,9 @@
           <a:p>
             <a:r>
               <a:rPr lang="en-US" dirty="0" smtClean="0"/>
-              <a:t>What’s New </a:t>
-            </a:r>
-            <a:r>
-              <a:rPr lang="en-US" smtClean="0"/>
-              <a:t>in Cinder?</a:t>
-            </a:r>
-            <a:endParaRPr lang="en-US"/>
+              <a:t>What’s New in Cinder?</a:t>
+            </a:r>
+            <a:endParaRPr lang="en-US" dirty="0"/>
           </a:p>
         </p:txBody>
       </p:sp>
@@ -3614,10 +3614,58 @@
         </p:nvSpPr>
         <p:spPr/>
         <p:txBody>
-          <a:bodyPr/>
-          <a:lstStyle/>
-          <a:p>
-            <a:endParaRPr lang="en-US"/>
+          <a:bodyPr>
+            <a:normAutofit lnSpcReduction="10000"/>
+          </a:bodyPr>
+          <a:lstStyle/>
+          <a:p>
+            <a:r>
+              <a:rPr lang="en-US" dirty="0" smtClean="0"/>
+              <a:t>Change volume type</a:t>
+            </a:r>
+          </a:p>
+          <a:p>
+            <a:r>
+              <a:rPr lang="en-US" dirty="0" smtClean="0"/>
+              <a:t>Metadata support for backup object</a:t>
+            </a:r>
+          </a:p>
+          <a:p>
+            <a:r>
+              <a:rPr lang="en-US" dirty="0" smtClean="0"/>
+              <a:t>Multi-API workers</a:t>
+            </a:r>
+          </a:p>
+          <a:p>
+            <a:r>
+              <a:rPr lang="en-US" dirty="0" smtClean="0"/>
+              <a:t>Delete Quota</a:t>
+            </a:r>
+          </a:p>
+          <a:p>
+            <a:r>
+              <a:rPr lang="en-US" dirty="0" smtClean="0"/>
+              <a:t>Import/export backups</a:t>
+            </a:r>
+          </a:p>
+          <a:p>
+            <a:r>
+              <a:rPr lang="en-US" dirty="0" smtClean="0"/>
+              <a:t>Update Volume Encryption</a:t>
+            </a:r>
+          </a:p>
+          <a:p>
+            <a:r>
+              <a:rPr lang="en-US" dirty="0" smtClean="0"/>
+              <a:t>Metering notifications (attach/detach)</a:t>
+            </a:r>
+          </a:p>
+          <a:p>
+            <a:r>
+              <a:rPr lang="en-US" dirty="0" smtClean="0"/>
+              <a:t>New Drivers!</a:t>
+            </a:r>
+            <a:endParaRPr lang="en-US" dirty="0"/>
           </a:p>
         </p:txBody>
       </p:sp>
@@ -3625,6 +3673,526 @@
     <p:extLst>
       <p:ext uri="{BB962C8B-B14F-4D97-AF65-F5344CB8AC3E}">
         <p14:creationId xmlns:p14="http://schemas.microsoft.com/office/powerpoint/2010/main" val="1007612106"/>
+      </p:ext>
+    </p:extLst>
+  </p:cSld>
+  <p:clrMapOvr>
+    <a:masterClrMapping/>
+  </p:clrMapOvr>
+</p:sld>
+</file>
+
+<file path=ppt/slides/slide14.xml><?xml version="1.0" encoding="utf-8"?>
+<p:sld xmlns:a="http://schemas.openxmlformats.org/drawingml/2006/main" xmlns:r="http://schemas.openxmlformats.org/officeDocument/2006/relationships" xmlns:p="http://schemas.openxmlformats.org/presentationml/2006/main">
+  <p:cSld>
+    <p:spTree>
+      <p:nvGrpSpPr>
+        <p:cNvPr id="1" name=""/>
+        <p:cNvGrpSpPr/>
+        <p:nvPr/>
+      </p:nvGrpSpPr>
+      <p:grpSpPr>
+        <a:xfrm>
+          <a:off x="0" y="0"/>
+          <a:ext cx="0" cy="0"/>
+          <a:chOff x="0" y="0"/>
+          <a:chExt cx="0" cy="0"/>
+        </a:xfrm>
+      </p:grpSpPr>
+      <p:sp>
+        <p:nvSpPr>
+          <p:cNvPr id="2" name="Title 1"/>
+          <p:cNvSpPr>
+            <a:spLocks noGrp="1"/>
+          </p:cNvSpPr>
+          <p:nvPr>
+            <p:ph type="title"/>
+          </p:nvPr>
+        </p:nvSpPr>
+        <p:spPr/>
+        <p:txBody>
+          <a:bodyPr/>
+          <a:lstStyle/>
+          <a:p>
+            <a:r>
+              <a:rPr lang="en-US" dirty="0" smtClean="0"/>
+              <a:t>What’s New in Ceilometer?</a:t>
+            </a:r>
+            <a:endParaRPr lang="en-US" dirty="0"/>
+          </a:p>
+        </p:txBody>
+      </p:sp>
+      <p:sp>
+        <p:nvSpPr>
+          <p:cNvPr id="3" name="Content Placeholder 2"/>
+          <p:cNvSpPr>
+            <a:spLocks noGrp="1"/>
+          </p:cNvSpPr>
+          <p:nvPr>
+            <p:ph idx="1"/>
+          </p:nvPr>
+        </p:nvSpPr>
+        <p:spPr/>
+        <p:txBody>
+          <a:bodyPr>
+            <a:normAutofit fontScale="77500" lnSpcReduction="20000"/>
+          </a:bodyPr>
+          <a:lstStyle/>
+          <a:p>
+            <a:r>
+              <a:rPr lang="en-US" dirty="0" smtClean="0"/>
+              <a:t>Better Alarms</a:t>
+            </a:r>
+          </a:p>
+          <a:p>
+            <a:pPr lvl="1"/>
+            <a:r>
+              <a:rPr lang="en-US" dirty="0" smtClean="0"/>
+              <a:t>Time constraints</a:t>
+            </a:r>
+          </a:p>
+          <a:p>
+            <a:pPr lvl="1"/>
+            <a:r>
+              <a:rPr lang="en-US" dirty="0" smtClean="0"/>
+              <a:t>Derived rate-based meters</a:t>
+            </a:r>
+          </a:p>
+          <a:p>
+            <a:r>
+              <a:rPr lang="en-US" dirty="0" smtClean="0"/>
+              <a:t>Storage Drivers</a:t>
+            </a:r>
+          </a:p>
+          <a:p>
+            <a:pPr lvl="1"/>
+            <a:r>
+              <a:rPr lang="en-US" dirty="0" err="1" smtClean="0"/>
+              <a:t>HBase</a:t>
+            </a:r>
+            <a:r>
+              <a:rPr lang="en-US" dirty="0" smtClean="0"/>
+              <a:t>, DB2, </a:t>
+            </a:r>
+            <a:r>
+              <a:rPr lang="en-US" dirty="0" err="1" smtClean="0"/>
+              <a:t>SQLAlchemy</a:t>
+            </a:r>
+            <a:endParaRPr lang="en-US" dirty="0" smtClean="0"/>
+          </a:p>
+          <a:p>
+            <a:pPr lvl="1"/>
+            <a:r>
+              <a:rPr lang="en-US" dirty="0" smtClean="0"/>
+              <a:t>Better resource queries</a:t>
+            </a:r>
+          </a:p>
+          <a:p>
+            <a:pPr lvl="1"/>
+            <a:r>
+              <a:rPr lang="en-US" dirty="0" err="1" smtClean="0"/>
+              <a:t>HBase</a:t>
+            </a:r>
+            <a:r>
+              <a:rPr lang="en-US" dirty="0" smtClean="0"/>
+              <a:t> alarm support</a:t>
+            </a:r>
+          </a:p>
+          <a:p>
+            <a:r>
+              <a:rPr lang="en-US" dirty="0" smtClean="0"/>
+              <a:t>New Metric Sources</a:t>
+            </a:r>
+          </a:p>
+          <a:p>
+            <a:pPr lvl="1"/>
+            <a:r>
+              <a:rPr lang="en-US" dirty="0" err="1" smtClean="0"/>
+              <a:t>vCenter</a:t>
+            </a:r>
+            <a:r>
+              <a:rPr lang="en-US" dirty="0" smtClean="0"/>
+              <a:t> API</a:t>
+            </a:r>
+          </a:p>
+          <a:p>
+            <a:pPr lvl="1"/>
+            <a:r>
+              <a:rPr lang="en-US" dirty="0" smtClean="0"/>
+              <a:t>SNMP (</a:t>
+            </a:r>
+            <a:r>
+              <a:rPr lang="en-US" dirty="0" err="1" smtClean="0"/>
+              <a:t>baremetal</a:t>
+            </a:r>
+            <a:r>
+              <a:rPr lang="en-US" dirty="0" smtClean="0"/>
+              <a:t>)</a:t>
+            </a:r>
+          </a:p>
+          <a:p>
+            <a:pPr lvl="1"/>
+            <a:r>
+              <a:rPr lang="en-US" dirty="0" err="1" smtClean="0"/>
+              <a:t>OpenDaylight</a:t>
+            </a:r>
+            <a:r>
+              <a:rPr lang="en-US" dirty="0" smtClean="0"/>
+              <a:t> REST API</a:t>
+            </a:r>
+          </a:p>
+          <a:p>
+            <a:pPr lvl="1"/>
+            <a:r>
+              <a:rPr lang="en-US" dirty="0" smtClean="0"/>
+              <a:t>Neutron ‘north-bound’ API on SDN controller</a:t>
+            </a:r>
+            <a:endParaRPr lang="en-US" dirty="0"/>
+          </a:p>
+        </p:txBody>
+      </p:sp>
+    </p:spTree>
+    <p:extLst>
+      <p:ext uri="{BB962C8B-B14F-4D97-AF65-F5344CB8AC3E}">
+        <p14:creationId xmlns:p14="http://schemas.microsoft.com/office/powerpoint/2010/main" val="4005097539"/>
+      </p:ext>
+    </p:extLst>
+  </p:cSld>
+  <p:clrMapOvr>
+    <a:masterClrMapping/>
+  </p:clrMapOvr>
+</p:sld>
+</file>
+
+<file path=ppt/slides/slide15.xml><?xml version="1.0" encoding="utf-8"?>
+<p:sld xmlns:a="http://schemas.openxmlformats.org/drawingml/2006/main" xmlns:r="http://schemas.openxmlformats.org/officeDocument/2006/relationships" xmlns:p="http://schemas.openxmlformats.org/presentationml/2006/main">
+  <p:cSld>
+    <p:spTree>
+      <p:nvGrpSpPr>
+        <p:cNvPr id="1" name=""/>
+        <p:cNvGrpSpPr/>
+        <p:nvPr/>
+      </p:nvGrpSpPr>
+      <p:grpSpPr>
+        <a:xfrm>
+          <a:off x="0" y="0"/>
+          <a:ext cx="0" cy="0"/>
+          <a:chOff x="0" y="0"/>
+          <a:chExt cx="0" cy="0"/>
+        </a:xfrm>
+      </p:grpSpPr>
+      <p:sp>
+        <p:nvSpPr>
+          <p:cNvPr id="2" name="Title 1"/>
+          <p:cNvSpPr>
+            <a:spLocks noGrp="1"/>
+          </p:cNvSpPr>
+          <p:nvPr>
+            <p:ph type="title"/>
+          </p:nvPr>
+        </p:nvSpPr>
+        <p:spPr/>
+        <p:txBody>
+          <a:bodyPr/>
+          <a:lstStyle/>
+          <a:p>
+            <a:r>
+              <a:rPr lang="en-US" dirty="0" smtClean="0"/>
+              <a:t>What’s New in Heat?</a:t>
+            </a:r>
+            <a:endParaRPr lang="en-US" dirty="0"/>
+          </a:p>
+        </p:txBody>
+      </p:sp>
+      <p:sp>
+        <p:nvSpPr>
+          <p:cNvPr id="3" name="Content Placeholder 2"/>
+          <p:cNvSpPr>
+            <a:spLocks noGrp="1"/>
+          </p:cNvSpPr>
+          <p:nvPr>
+            <p:ph idx="1"/>
+          </p:nvPr>
+        </p:nvSpPr>
+        <p:spPr/>
+        <p:txBody>
+          <a:bodyPr>
+            <a:normAutofit fontScale="92500" lnSpcReduction="10000"/>
+          </a:bodyPr>
+          <a:lstStyle/>
+          <a:p>
+            <a:r>
+              <a:rPr lang="en-US" dirty="0" smtClean="0"/>
+              <a:t>HOT Templates are now supported &amp; recommended</a:t>
+            </a:r>
+          </a:p>
+          <a:p>
+            <a:r>
+              <a:rPr lang="en-US" dirty="0" err="1" smtClean="0"/>
+              <a:t>OpenStack</a:t>
+            </a:r>
+            <a:r>
+              <a:rPr lang="en-US" dirty="0" smtClean="0"/>
+              <a:t> Native Resource Coverage</a:t>
+            </a:r>
+          </a:p>
+          <a:p>
+            <a:r>
+              <a:rPr lang="en-US" dirty="0" smtClean="0"/>
+              <a:t>Non-Admin users can launch stacks</a:t>
+            </a:r>
+          </a:p>
+          <a:p>
+            <a:r>
+              <a:rPr lang="en-US" dirty="0" smtClean="0"/>
+              <a:t>Operator API (Covers all stacks)</a:t>
+            </a:r>
+          </a:p>
+          <a:p>
+            <a:r>
+              <a:rPr lang="en-US" dirty="0" err="1" smtClean="0"/>
+              <a:t>Autoscaling</a:t>
+            </a:r>
+            <a:r>
+              <a:rPr lang="en-US" dirty="0" smtClean="0"/>
+              <a:t> resources</a:t>
+            </a:r>
+          </a:p>
+          <a:p>
+            <a:r>
+              <a:rPr lang="en-US" dirty="0" smtClean="0"/>
+              <a:t>Engine Scaling</a:t>
+            </a:r>
+          </a:p>
+          <a:p>
+            <a:r>
+              <a:rPr lang="en-US" dirty="0" smtClean="0"/>
+              <a:t>Stack abandon / adopt</a:t>
+            </a:r>
+          </a:p>
+          <a:p>
+            <a:r>
+              <a:rPr lang="en-US" dirty="0" smtClean="0"/>
+              <a:t>Stack Preview</a:t>
+            </a:r>
+          </a:p>
+        </p:txBody>
+      </p:sp>
+    </p:spTree>
+    <p:extLst>
+      <p:ext uri="{BB962C8B-B14F-4D97-AF65-F5344CB8AC3E}">
+        <p14:creationId xmlns:p14="http://schemas.microsoft.com/office/powerpoint/2010/main" val="293396659"/>
+      </p:ext>
+    </p:extLst>
+  </p:cSld>
+  <p:clrMapOvr>
+    <a:masterClrMapping/>
+  </p:clrMapOvr>
+</p:sld>
+</file>
+
+<file path=ppt/slides/slide16.xml><?xml version="1.0" encoding="utf-8"?>
+<p:sld xmlns:a="http://schemas.openxmlformats.org/drawingml/2006/main" xmlns:r="http://schemas.openxmlformats.org/officeDocument/2006/relationships" xmlns:p="http://schemas.openxmlformats.org/presentationml/2006/main">
+  <p:cSld>
+    <p:spTree>
+      <p:nvGrpSpPr>
+        <p:cNvPr id="1" name=""/>
+        <p:cNvGrpSpPr/>
+        <p:nvPr/>
+      </p:nvGrpSpPr>
+      <p:grpSpPr>
+        <a:xfrm>
+          <a:off x="0" y="0"/>
+          <a:ext cx="0" cy="0"/>
+          <a:chOff x="0" y="0"/>
+          <a:chExt cx="0" cy="0"/>
+        </a:xfrm>
+      </p:grpSpPr>
+      <p:sp>
+        <p:nvSpPr>
+          <p:cNvPr id="2" name="Title 1"/>
+          <p:cNvSpPr>
+            <a:spLocks noGrp="1"/>
+          </p:cNvSpPr>
+          <p:nvPr>
+            <p:ph type="title"/>
+          </p:nvPr>
+        </p:nvSpPr>
+        <p:spPr/>
+        <p:txBody>
+          <a:bodyPr/>
+          <a:lstStyle/>
+          <a:p>
+            <a:r>
+              <a:rPr lang="en-US" dirty="0" smtClean="0"/>
+              <a:t>What’s New in Trove?</a:t>
+            </a:r>
+            <a:endParaRPr lang="en-US" dirty="0"/>
+          </a:p>
+        </p:txBody>
+      </p:sp>
+      <p:sp>
+        <p:nvSpPr>
+          <p:cNvPr id="3" name="Content Placeholder 2"/>
+          <p:cNvSpPr>
+            <a:spLocks noGrp="1"/>
+          </p:cNvSpPr>
+          <p:nvPr>
+            <p:ph idx="1"/>
+          </p:nvPr>
+        </p:nvSpPr>
+        <p:spPr/>
+        <p:txBody>
+          <a:bodyPr/>
+          <a:lstStyle/>
+          <a:p>
+            <a:r>
+              <a:rPr lang="en-US" dirty="0" smtClean="0"/>
+              <a:t>User/Schema management</a:t>
+            </a:r>
+          </a:p>
+          <a:p>
+            <a:r>
+              <a:rPr lang="en-US" dirty="0" smtClean="0"/>
+              <a:t>Multiple DB Support</a:t>
+            </a:r>
+          </a:p>
+          <a:p>
+            <a:pPr lvl="1"/>
+            <a:r>
+              <a:rPr lang="en-US" dirty="0" smtClean="0"/>
+              <a:t>MySQL, </a:t>
+            </a:r>
+            <a:r>
+              <a:rPr lang="en-US" dirty="0" err="1" smtClean="0"/>
+              <a:t>Percona</a:t>
+            </a:r>
+            <a:endParaRPr lang="en-US" dirty="0" smtClean="0"/>
+          </a:p>
+          <a:p>
+            <a:pPr lvl="1"/>
+            <a:r>
+              <a:rPr lang="en-US" dirty="0" smtClean="0"/>
+              <a:t>Experimental: </a:t>
+            </a:r>
+            <a:r>
+              <a:rPr lang="en-US" dirty="0" err="1" smtClean="0"/>
+              <a:t>MongoDB</a:t>
+            </a:r>
+            <a:r>
+              <a:rPr lang="en-US" dirty="0" smtClean="0"/>
+              <a:t>, </a:t>
+            </a:r>
+            <a:r>
+              <a:rPr lang="en-US" dirty="0" err="1" smtClean="0"/>
+              <a:t>Redis</a:t>
+            </a:r>
+            <a:r>
+              <a:rPr lang="en-US" dirty="0" smtClean="0"/>
+              <a:t>, Cassandra</a:t>
+            </a:r>
+          </a:p>
+          <a:p>
+            <a:r>
+              <a:rPr lang="en-US" dirty="0" smtClean="0"/>
+              <a:t>Resize up/down</a:t>
+            </a:r>
+          </a:p>
+          <a:p>
+            <a:r>
+              <a:rPr lang="en-US" dirty="0" err="1" smtClean="0"/>
+              <a:t>Config</a:t>
+            </a:r>
+            <a:r>
+              <a:rPr lang="en-US" dirty="0" smtClean="0"/>
+              <a:t> Groups</a:t>
+            </a:r>
+          </a:p>
+          <a:p>
+            <a:r>
+              <a:rPr lang="en-US" dirty="0" smtClean="0"/>
+              <a:t>Backup/Restore</a:t>
+            </a:r>
+            <a:endParaRPr lang="en-US" dirty="0"/>
+          </a:p>
+        </p:txBody>
+      </p:sp>
+    </p:spTree>
+    <p:extLst>
+      <p:ext uri="{BB962C8B-B14F-4D97-AF65-F5344CB8AC3E}">
+        <p14:creationId xmlns:p14="http://schemas.microsoft.com/office/powerpoint/2010/main" val="2510118059"/>
+      </p:ext>
+    </p:extLst>
+  </p:cSld>
+  <p:clrMapOvr>
+    <a:masterClrMapping/>
+  </p:clrMapOvr>
+</p:sld>
+</file>
+
+<file path=ppt/slides/slide17.xml><?xml version="1.0" encoding="utf-8"?>
+<p:sld xmlns:a="http://schemas.openxmlformats.org/drawingml/2006/main" xmlns:r="http://schemas.openxmlformats.org/officeDocument/2006/relationships" xmlns:p="http://schemas.openxmlformats.org/presentationml/2006/main">
+  <p:cSld>
+    <p:spTree>
+      <p:nvGrpSpPr>
+        <p:cNvPr id="1" name=""/>
+        <p:cNvGrpSpPr/>
+        <p:nvPr/>
+      </p:nvGrpSpPr>
+      <p:grpSpPr>
+        <a:xfrm>
+          <a:off x="0" y="0"/>
+          <a:ext cx="0" cy="0"/>
+          <a:chOff x="0" y="0"/>
+          <a:chExt cx="0" cy="0"/>
+        </a:xfrm>
+      </p:grpSpPr>
+      <p:sp>
+        <p:nvSpPr>
+          <p:cNvPr id="2" name="Title 1"/>
+          <p:cNvSpPr>
+            <a:spLocks noGrp="1"/>
+          </p:cNvSpPr>
+          <p:nvPr>
+            <p:ph type="title"/>
+          </p:nvPr>
+        </p:nvSpPr>
+        <p:spPr/>
+        <p:txBody>
+          <a:bodyPr/>
+          <a:lstStyle/>
+          <a:p>
+            <a:r>
+              <a:rPr lang="en-US" dirty="0" smtClean="0"/>
+              <a:t>Demo?</a:t>
+            </a:r>
+            <a:endParaRPr lang="en-US" dirty="0"/>
+          </a:p>
+        </p:txBody>
+      </p:sp>
+      <p:sp>
+        <p:nvSpPr>
+          <p:cNvPr id="3" name="Content Placeholder 2"/>
+          <p:cNvSpPr>
+            <a:spLocks noGrp="1"/>
+          </p:cNvSpPr>
+          <p:nvPr>
+            <p:ph idx="1"/>
+          </p:nvPr>
+        </p:nvSpPr>
+        <p:spPr/>
+        <p:txBody>
+          <a:bodyPr/>
+          <a:lstStyle/>
+          <a:p>
+            <a:endParaRPr lang="en-US"/>
+          </a:p>
+        </p:txBody>
+      </p:sp>
+    </p:spTree>
+    <p:extLst>
+      <p:ext uri="{BB962C8B-B14F-4D97-AF65-F5344CB8AC3E}">
+        <p14:creationId xmlns:p14="http://schemas.microsoft.com/office/powerpoint/2010/main" val="4285063413"/>
       </p:ext>
     </p:extLst>
   </p:cSld>

--- a/slides/01-WhatsNew.pptx
+++ b/slides/01-WhatsNew.pptx
@@ -4450,14 +4450,17 @@
           </a:p>
           <a:p>
             <a:r>
-              <a:rPr lang="en-US" dirty="0" smtClean="0"/>
+              <a:rPr lang="en-US" b="1" dirty="0" smtClean="0"/>
               <a:t>What’s New in </a:t>
             </a:r>
             <a:r>
-              <a:rPr lang="en-US" dirty="0" err="1" smtClean="0"/>
+              <a:rPr lang="en-US" b="1" dirty="0" err="1" smtClean="0"/>
               <a:t>IceHouse</a:t>
             </a:r>
-            <a:endParaRPr lang="en-US" dirty="0" smtClean="0"/>
+            <a:r>
+              <a:rPr lang="en-US" b="1" dirty="0" smtClean="0"/>
+              <a:t> &lt;&lt; We are here</a:t>
+            </a:r>
           </a:p>
           <a:p>
             <a:r>

--- a/slides/01-WhatsNew.pptx
+++ b/slides/01-WhatsNew.pptx
@@ -304,7 +304,7 @@
           <a:p>
             <a:fld id="{053E0CE8-36F0-C049-BF2F-D4E6D84C5B0D}" type="datetimeFigureOut">
               <a:rPr lang="en-US" smtClean="0"/>
-              <a:t>4/25/14</a:t>
+              <a:t>5/13/14</a:t>
             </a:fld>
             <a:endParaRPr lang="en-US"/>
           </a:p>
@@ -474,7 +474,7 @@
           <a:p>
             <a:fld id="{053E0CE8-36F0-C049-BF2F-D4E6D84C5B0D}" type="datetimeFigureOut">
               <a:rPr lang="en-US" smtClean="0"/>
-              <a:t>4/25/14</a:t>
+              <a:t>5/13/14</a:t>
             </a:fld>
             <a:endParaRPr lang="en-US"/>
           </a:p>
@@ -654,7 +654,7 @@
           <a:p>
             <a:fld id="{053E0CE8-36F0-C049-BF2F-D4E6D84C5B0D}" type="datetimeFigureOut">
               <a:rPr lang="en-US" smtClean="0"/>
-              <a:t>4/25/14</a:t>
+              <a:t>5/13/14</a:t>
             </a:fld>
             <a:endParaRPr lang="en-US"/>
           </a:p>
@@ -824,7 +824,7 @@
           <a:p>
             <a:fld id="{053E0CE8-36F0-C049-BF2F-D4E6D84C5B0D}" type="datetimeFigureOut">
               <a:rPr lang="en-US" smtClean="0"/>
-              <a:t>4/25/14</a:t>
+              <a:t>5/13/14</a:t>
             </a:fld>
             <a:endParaRPr lang="en-US"/>
           </a:p>
@@ -1070,7 +1070,7 @@
           <a:p>
             <a:fld id="{053E0CE8-36F0-C049-BF2F-D4E6D84C5B0D}" type="datetimeFigureOut">
               <a:rPr lang="en-US" smtClean="0"/>
-              <a:t>4/25/14</a:t>
+              <a:t>5/13/14</a:t>
             </a:fld>
             <a:endParaRPr lang="en-US"/>
           </a:p>
@@ -1358,7 +1358,7 @@
           <a:p>
             <a:fld id="{053E0CE8-36F0-C049-BF2F-D4E6D84C5B0D}" type="datetimeFigureOut">
               <a:rPr lang="en-US" smtClean="0"/>
-              <a:t>4/25/14</a:t>
+              <a:t>5/13/14</a:t>
             </a:fld>
             <a:endParaRPr lang="en-US"/>
           </a:p>
@@ -1780,7 +1780,7 @@
           <a:p>
             <a:fld id="{053E0CE8-36F0-C049-BF2F-D4E6D84C5B0D}" type="datetimeFigureOut">
               <a:rPr lang="en-US" smtClean="0"/>
-              <a:t>4/25/14</a:t>
+              <a:t>5/13/14</a:t>
             </a:fld>
             <a:endParaRPr lang="en-US"/>
           </a:p>
@@ -1898,7 +1898,7 @@
           <a:p>
             <a:fld id="{053E0CE8-36F0-C049-BF2F-D4E6D84C5B0D}" type="datetimeFigureOut">
               <a:rPr lang="en-US" smtClean="0"/>
-              <a:t>4/25/14</a:t>
+              <a:t>5/13/14</a:t>
             </a:fld>
             <a:endParaRPr lang="en-US"/>
           </a:p>
@@ -1993,7 +1993,7 @@
           <a:p>
             <a:fld id="{053E0CE8-36F0-C049-BF2F-D4E6D84C5B0D}" type="datetimeFigureOut">
               <a:rPr lang="en-US" smtClean="0"/>
-              <a:t>4/25/14</a:t>
+              <a:t>5/13/14</a:t>
             </a:fld>
             <a:endParaRPr lang="en-US"/>
           </a:p>
@@ -2270,7 +2270,7 @@
           <a:p>
             <a:fld id="{053E0CE8-36F0-C049-BF2F-D4E6D84C5B0D}" type="datetimeFigureOut">
               <a:rPr lang="en-US" smtClean="0"/>
-              <a:t>4/25/14</a:t>
+              <a:t>5/13/14</a:t>
             </a:fld>
             <a:endParaRPr lang="en-US"/>
           </a:p>
@@ -2523,7 +2523,7 @@
           <a:p>
             <a:fld id="{053E0CE8-36F0-C049-BF2F-D4E6D84C5B0D}" type="datetimeFigureOut">
               <a:rPr lang="en-US" smtClean="0"/>
-              <a:t>4/25/14</a:t>
+              <a:t>5/13/14</a:t>
             </a:fld>
             <a:endParaRPr lang="en-US"/>
           </a:p>
@@ -2736,7 +2736,7 @@
           <a:p>
             <a:fld id="{053E0CE8-36F0-C049-BF2F-D4E6D84C5B0D}" type="datetimeFigureOut">
               <a:rPr lang="en-US" smtClean="0"/>
-              <a:t>4/25/14</a:t>
+              <a:t>5/13/14</a:t>
             </a:fld>
             <a:endParaRPr lang="en-US"/>
           </a:p>
@@ -4703,32 +4703,33 @@
             </a:r>
             <a:r>
               <a:rPr lang="en-US" dirty="0" smtClean="0"/>
-              <a:t> clone https://</a:t>
+              <a:t> clone </a:t>
+            </a:r>
+            <a:r>
+              <a:rPr lang="en-US" dirty="0"/>
+              <a:t>https://</a:t>
+            </a:r>
+            <a:r>
+              <a:rPr lang="en-US" dirty="0" err="1"/>
+              <a:t>github.com</a:t>
+            </a:r>
+            <a:r>
+              <a:rPr lang="en-US" dirty="0"/>
+              <a:t>/</a:t>
+            </a:r>
+            <a:r>
+              <a:rPr lang="en-US" dirty="0" err="1"/>
+              <a:t>OpenStackCookbook</a:t>
+            </a:r>
+            <a:r>
+              <a:rPr lang="en-US" dirty="0"/>
+              <a:t>/</a:t>
             </a:r>
             <a:r>
               <a:rPr lang="en-US" dirty="0" err="1" smtClean="0"/>
-              <a:t>github.com</a:t>
-            </a:r>
-            <a:r>
-              <a:rPr lang="en-US" dirty="0" smtClean="0"/>
-              <a:t>/</a:t>
-            </a:r>
-            <a:r>
-              <a:rPr lang="en-US" dirty="0" err="1" smtClean="0"/>
-              <a:t>bunchc</a:t>
-            </a:r>
-            <a:r>
-              <a:rPr lang="en-US" dirty="0" smtClean="0"/>
-              <a:t>/</a:t>
-            </a:r>
-            <a:r>
-              <a:rPr lang="en-US" dirty="0" err="1" smtClean="0"/>
-              <a:t>Couch_to_OpenStack.git</a:t>
-            </a:r>
-            <a:r>
-              <a:rPr lang="en-US" dirty="0" smtClean="0"/>
-              <a:t> -b icehouse</a:t>
-            </a:r>
+              <a:t>OpenStackCookbook.git</a:t>
+            </a:r>
+            <a:endParaRPr lang="en-US" dirty="0" smtClean="0"/>
           </a:p>
           <a:p>
             <a:r>
@@ -4738,6 +4739,17 @@
             <a:r>
               <a:rPr lang="en-US" dirty="0" err="1" smtClean="0"/>
               <a:t>Couch_to_OpenStack</a:t>
+            </a:r>
+            <a:endParaRPr lang="en-US" dirty="0" smtClean="0"/>
+          </a:p>
+          <a:p>
+            <a:r>
+              <a:rPr lang="en-US" dirty="0" err="1" smtClean="0"/>
+              <a:t>git</a:t>
+            </a:r>
+            <a:r>
+              <a:rPr lang="en-US" dirty="0" smtClean="0"/>
+              <a:t> checkout icehouse</a:t>
             </a:r>
             <a:endParaRPr lang="en-US" dirty="0" smtClean="0"/>
           </a:p>
